--- a/kurz XeLaTeX.pptx
+++ b/kurz XeLaTeX.pptx
@@ -5,7 +5,7 @@
     <p:sldMasterId id="2147483648" r:id="rId1"/>
   </p:sldMasterIdLst>
   <p:notesMasterIdLst>
-    <p:notesMasterId r:id="rId66"/>
+    <p:notesMasterId r:id="rId67"/>
   </p:notesMasterIdLst>
   <p:sldIdLst>
     <p:sldId id="256" r:id="rId2"/>
@@ -72,6 +72,7 @@
     <p:sldId id="320" r:id="rId63"/>
     <p:sldId id="322" r:id="rId64"/>
     <p:sldId id="323" r:id="rId65"/>
+    <p:sldId id="324" r:id="rId66"/>
   </p:sldIdLst>
   <p:sldSz cx="12192000" cy="6858000"/>
   <p:notesSz cx="6858000" cy="9144000"/>
@@ -260,7 +261,7 @@
           <a:p>
             <a:fld id="{EC6CD7D2-79FD-4FAA-9E3E-B2651DB84053}" type="datetimeFigureOut">
               <a:rPr lang="en-US" smtClean="0"/>
-              <a:t>1/17/2021</a:t>
+              <a:t>8/9/2021</a:t>
             </a:fld>
             <a:endParaRPr lang="en-US"/>
           </a:p>
@@ -1187,7 +1188,7 @@
           <a:p>
             <a:fld id="{0F49F7B6-A5F9-4CD4-A903-DA1E4C673AD7}" type="datetime1">
               <a:rPr lang="en-US" smtClean="0"/>
-              <a:t>1/17/2021</a:t>
+              <a:t>8/9/2021</a:t>
             </a:fld>
             <a:endParaRPr lang="en-US"/>
           </a:p>
@@ -1385,7 +1386,7 @@
           <a:p>
             <a:fld id="{81965A72-80BA-42C4-B7CB-B00276BAD6A8}" type="datetime1">
               <a:rPr lang="en-US" smtClean="0"/>
-              <a:t>1/17/2021</a:t>
+              <a:t>8/9/2021</a:t>
             </a:fld>
             <a:endParaRPr lang="en-US"/>
           </a:p>
@@ -1593,7 +1594,7 @@
           <a:p>
             <a:fld id="{10B9F0DE-FC48-45EB-A612-B0465CA8F189}" type="datetime1">
               <a:rPr lang="en-US" smtClean="0"/>
-              <a:t>1/17/2021</a:t>
+              <a:t>8/9/2021</a:t>
             </a:fld>
             <a:endParaRPr lang="en-US"/>
           </a:p>
@@ -1791,7 +1792,7 @@
           <a:p>
             <a:fld id="{80F480B6-23F1-485B-9C9D-455F02A2855F}" type="datetime1">
               <a:rPr lang="en-US" smtClean="0"/>
-              <a:t>1/17/2021</a:t>
+              <a:t>8/9/2021</a:t>
             </a:fld>
             <a:endParaRPr lang="en-US"/>
           </a:p>
@@ -2066,7 +2067,7 @@
           <a:p>
             <a:fld id="{F09AE250-D09B-4237-B62C-99455EB3E366}" type="datetime1">
               <a:rPr lang="en-US" smtClean="0"/>
-              <a:t>1/17/2021</a:t>
+              <a:t>8/9/2021</a:t>
             </a:fld>
             <a:endParaRPr lang="en-US"/>
           </a:p>
@@ -2331,7 +2332,7 @@
           <a:p>
             <a:fld id="{9B400DC0-E63B-4AF0-9F23-6D119605A7C5}" type="datetime1">
               <a:rPr lang="en-US" smtClean="0"/>
-              <a:t>1/17/2021</a:t>
+              <a:t>8/9/2021</a:t>
             </a:fld>
             <a:endParaRPr lang="en-US"/>
           </a:p>
@@ -2743,7 +2744,7 @@
           <a:p>
             <a:fld id="{67F1E268-500F-4BB8-8162-CB255100543F}" type="datetime1">
               <a:rPr lang="en-US" smtClean="0"/>
-              <a:t>1/17/2021</a:t>
+              <a:t>8/9/2021</a:t>
             </a:fld>
             <a:endParaRPr lang="en-US"/>
           </a:p>
@@ -2884,7 +2885,7 @@
           <a:p>
             <a:fld id="{DAAE91CA-F47E-49B4-9296-3E98B6ABBC95}" type="datetime1">
               <a:rPr lang="en-US" smtClean="0"/>
-              <a:t>1/17/2021</a:t>
+              <a:t>8/9/2021</a:t>
             </a:fld>
             <a:endParaRPr lang="en-US"/>
           </a:p>
@@ -2997,7 +2998,7 @@
           <a:p>
             <a:fld id="{FDB3DE74-F004-4190-8C63-36DDE166C534}" type="datetime1">
               <a:rPr lang="en-US" smtClean="0"/>
-              <a:t>1/17/2021</a:t>
+              <a:t>8/9/2021</a:t>
             </a:fld>
             <a:endParaRPr lang="en-US"/>
           </a:p>
@@ -3308,7 +3309,7 @@
           <a:p>
             <a:fld id="{222BAB89-CCF5-44A8-8F53-F4E262742003}" type="datetime1">
               <a:rPr lang="en-US" smtClean="0"/>
-              <a:t>1/17/2021</a:t>
+              <a:t>8/9/2021</a:t>
             </a:fld>
             <a:endParaRPr lang="en-US"/>
           </a:p>
@@ -3596,7 +3597,7 @@
           <a:p>
             <a:fld id="{9B36A2A0-76A3-4AE3-8BB9-505242090860}" type="datetime1">
               <a:rPr lang="en-US" smtClean="0"/>
-              <a:t>1/17/2021</a:t>
+              <a:t>8/9/2021</a:t>
             </a:fld>
             <a:endParaRPr lang="en-US"/>
           </a:p>
@@ -3837,7 +3838,7 @@
           <a:p>
             <a:fld id="{FBC1E6ED-B2CA-4B53-9C40-32F86D3DC8EE}" type="datetime1">
               <a:rPr lang="en-US" smtClean="0"/>
-              <a:t>1/17/2021</a:t>
+              <a:t>8/9/2021</a:t>
             </a:fld>
             <a:endParaRPr lang="en-US"/>
           </a:p>
@@ -27703,6 +27704,679 @@
     <p:extLst>
       <p:ext uri="{BB962C8B-B14F-4D97-AF65-F5344CB8AC3E}">
         <p14:creationId xmlns:p14="http://schemas.microsoft.com/office/powerpoint/2010/main" val="4244208436"/>
+      </p:ext>
+    </p:extLst>
+  </p:cSld>
+  <p:clrMapOvr>
+    <a:masterClrMapping/>
+  </p:clrMapOvr>
+</p:sld>
+</file>
+
+<file path=ppt/slides/slide65.xml><?xml version="1.0" encoding="utf-8"?>
+<p:sld xmlns:a="http://schemas.openxmlformats.org/drawingml/2006/main" xmlns:r="http://schemas.openxmlformats.org/officeDocument/2006/relationships" xmlns:p="http://schemas.openxmlformats.org/presentationml/2006/main">
+  <p:cSld>
+    <p:spTree>
+      <p:nvGrpSpPr>
+        <p:cNvPr id="1" name=""/>
+        <p:cNvGrpSpPr/>
+        <p:nvPr/>
+      </p:nvGrpSpPr>
+      <p:grpSpPr>
+        <a:xfrm>
+          <a:off x="0" y="0"/>
+          <a:ext cx="0" cy="0"/>
+          <a:chOff x="0" y="0"/>
+          <a:chExt cx="0" cy="0"/>
+        </a:xfrm>
+      </p:grpSpPr>
+      <p:sp>
+        <p:nvSpPr>
+          <p:cNvPr id="2" name="Title 1">
+            <a:extLst>
+              <a:ext uri="{FF2B5EF4-FFF2-40B4-BE49-F238E27FC236}">
+                <a16:creationId xmlns:a16="http://schemas.microsoft.com/office/drawing/2014/main" id="{5DC9D8BF-548B-4453-BAA8-ABED91E14E2A}"/>
+              </a:ext>
+            </a:extLst>
+          </p:cNvPr>
+          <p:cNvSpPr>
+            <a:spLocks noGrp="1"/>
+          </p:cNvSpPr>
+          <p:nvPr>
+            <p:ph type="title"/>
+          </p:nvPr>
+        </p:nvSpPr>
+        <p:spPr/>
+        <p:txBody>
+          <a:bodyPr/>
+          <a:lstStyle/>
+          <a:p>
+            <a:r>
+              <a:rPr lang="en-US" dirty="0" err="1"/>
+              <a:t>Texty</a:t>
+            </a:r>
+            <a:r>
+              <a:rPr lang="en-US" dirty="0"/>
+              <a:t> p</a:t>
+            </a:r>
+            <a:r>
+              <a:rPr lang="sk-SK" dirty="0" err="1"/>
+              <a:t>ísané</a:t>
+            </a:r>
+            <a:r>
+              <a:rPr lang="sk-SK" dirty="0"/>
+              <a:t> sprava doľava </a:t>
+            </a:r>
+            <a:r>
+              <a:rPr lang="en-US" dirty="0"/>
+              <a:t>(Right to Left - RTL)</a:t>
+            </a:r>
+          </a:p>
+        </p:txBody>
+      </p:sp>
+      <p:sp>
+        <p:nvSpPr>
+          <p:cNvPr id="3" name="Content Placeholder 2">
+            <a:extLst>
+              <a:ext uri="{FF2B5EF4-FFF2-40B4-BE49-F238E27FC236}">
+                <a16:creationId xmlns:a16="http://schemas.microsoft.com/office/drawing/2014/main" id="{B5063E08-16A9-4AB5-90E8-A95806362BAD}"/>
+              </a:ext>
+            </a:extLst>
+          </p:cNvPr>
+          <p:cNvSpPr>
+            <a:spLocks noGrp="1"/>
+          </p:cNvSpPr>
+          <p:nvPr>
+            <p:ph idx="1"/>
+          </p:nvPr>
+        </p:nvSpPr>
+        <p:spPr/>
+        <p:txBody>
+          <a:bodyPr>
+            <a:normAutofit fontScale="47500" lnSpcReduction="20000"/>
+          </a:bodyPr>
+          <a:lstStyle/>
+          <a:p>
+            <a:pPr marL="0" indent="0">
+              <a:buNone/>
+            </a:pPr>
+            <a:r>
+              <a:rPr lang="en-US" dirty="0">
+                <a:latin typeface="Courier New" panose="02070309020205020404" pitchFamily="49" charset="0"/>
+                <a:cs typeface="Courier New" panose="02070309020205020404" pitchFamily="49" charset="0"/>
+              </a:rPr>
+              <a:t>% Will Robertson's </a:t>
+            </a:r>
+            <a:r>
+              <a:rPr lang="en-US" dirty="0" err="1">
+                <a:latin typeface="Courier New" panose="02070309020205020404" pitchFamily="49" charset="0"/>
+                <a:cs typeface="Courier New" panose="02070309020205020404" pitchFamily="49" charset="0"/>
+              </a:rPr>
+              <a:t>fontspec.sty</a:t>
+            </a:r>
+            <a:r>
+              <a:rPr lang="en-US" dirty="0">
+                <a:latin typeface="Courier New" panose="02070309020205020404" pitchFamily="49" charset="0"/>
+                <a:cs typeface="Courier New" panose="02070309020205020404" pitchFamily="49" charset="0"/>
+              </a:rPr>
+              <a:t> can be used to simplify font choices.</a:t>
+            </a:r>
+          </a:p>
+          <a:p>
+            <a:pPr marL="0" indent="0">
+              <a:buNone/>
+            </a:pPr>
+            <a:r>
+              <a:rPr lang="en-US" dirty="0">
+                <a:latin typeface="Courier New" panose="02070309020205020404" pitchFamily="49" charset="0"/>
+                <a:cs typeface="Courier New" panose="02070309020205020404" pitchFamily="49" charset="0"/>
+              </a:rPr>
+              <a:t>% To experiment, open /Applications/Font Book to examine the fonts provided on Mac OS X,</a:t>
+            </a:r>
+          </a:p>
+          <a:p>
+            <a:pPr marL="0" indent="0">
+              <a:buNone/>
+            </a:pPr>
+            <a:r>
+              <a:rPr lang="en-US" dirty="0">
+                <a:latin typeface="Courier New" panose="02070309020205020404" pitchFamily="49" charset="0"/>
+                <a:cs typeface="Courier New" panose="02070309020205020404" pitchFamily="49" charset="0"/>
+              </a:rPr>
+              <a:t>% and change "</a:t>
+            </a:r>
+            <a:r>
+              <a:rPr lang="en-US" dirty="0" err="1">
+                <a:latin typeface="Courier New" panose="02070309020205020404" pitchFamily="49" charset="0"/>
+                <a:cs typeface="Courier New" panose="02070309020205020404" pitchFamily="49" charset="0"/>
+              </a:rPr>
+              <a:t>Hoefler</a:t>
+            </a:r>
+            <a:r>
+              <a:rPr lang="en-US" dirty="0">
+                <a:latin typeface="Courier New" panose="02070309020205020404" pitchFamily="49" charset="0"/>
+                <a:cs typeface="Courier New" panose="02070309020205020404" pitchFamily="49" charset="0"/>
+              </a:rPr>
+              <a:t> Text" to any of these choices.</a:t>
+            </a:r>
+          </a:p>
+          <a:p>
+            <a:pPr marL="0" indent="0">
+              <a:buNone/>
+            </a:pPr>
+            <a:r>
+              <a:rPr lang="en-US" dirty="0">
+                <a:latin typeface="Courier New" panose="02070309020205020404" pitchFamily="49" charset="0"/>
+                <a:cs typeface="Courier New" panose="02070309020205020404" pitchFamily="49" charset="0"/>
+              </a:rPr>
+              <a:t>\</a:t>
+            </a:r>
+            <a:r>
+              <a:rPr lang="en-US" dirty="0" err="1">
+                <a:latin typeface="Courier New" panose="02070309020205020404" pitchFamily="49" charset="0"/>
+                <a:cs typeface="Courier New" panose="02070309020205020404" pitchFamily="49" charset="0"/>
+              </a:rPr>
+              <a:t>TeXXeTstate</a:t>
+            </a:r>
+            <a:r>
+              <a:rPr lang="en-US" dirty="0">
+                <a:latin typeface="Courier New" panose="02070309020205020404" pitchFamily="49" charset="0"/>
+                <a:cs typeface="Courier New" panose="02070309020205020404" pitchFamily="49" charset="0"/>
+              </a:rPr>
+              <a:t>=1</a:t>
+            </a:r>
+          </a:p>
+          <a:p>
+            <a:pPr marL="0" indent="0">
+              <a:buNone/>
+            </a:pPr>
+            <a:r>
+              <a:rPr lang="en-US" dirty="0">
+                <a:latin typeface="Courier New" panose="02070309020205020404" pitchFamily="49" charset="0"/>
+                <a:cs typeface="Courier New" panose="02070309020205020404" pitchFamily="49" charset="0"/>
+              </a:rPr>
+              <a:t>\</a:t>
+            </a:r>
+            <a:r>
+              <a:rPr lang="en-US" dirty="0" err="1">
+                <a:latin typeface="Courier New" panose="02070309020205020404" pitchFamily="49" charset="0"/>
+                <a:cs typeface="Courier New" panose="02070309020205020404" pitchFamily="49" charset="0"/>
+              </a:rPr>
+              <a:t>usepackage</a:t>
+            </a:r>
+            <a:r>
+              <a:rPr lang="en-US" dirty="0">
+                <a:latin typeface="Courier New" panose="02070309020205020404" pitchFamily="49" charset="0"/>
+                <a:cs typeface="Courier New" panose="02070309020205020404" pitchFamily="49" charset="0"/>
+              </a:rPr>
+              <a:t>{</a:t>
+            </a:r>
+            <a:r>
+              <a:rPr lang="en-US" dirty="0" err="1">
+                <a:latin typeface="Courier New" panose="02070309020205020404" pitchFamily="49" charset="0"/>
+                <a:cs typeface="Courier New" panose="02070309020205020404" pitchFamily="49" charset="0"/>
+              </a:rPr>
+              <a:t>fontspec,xltxtra,xunicode</a:t>
+            </a:r>
+            <a:r>
+              <a:rPr lang="en-US" dirty="0">
+                <a:latin typeface="Courier New" panose="02070309020205020404" pitchFamily="49" charset="0"/>
+                <a:cs typeface="Courier New" panose="02070309020205020404" pitchFamily="49" charset="0"/>
+              </a:rPr>
+              <a:t>}</a:t>
+            </a:r>
+          </a:p>
+          <a:p>
+            <a:pPr marL="0" indent="0">
+              <a:buNone/>
+            </a:pPr>
+            <a:r>
+              <a:rPr lang="en-US" dirty="0">
+                <a:latin typeface="Courier New" panose="02070309020205020404" pitchFamily="49" charset="0"/>
+                <a:cs typeface="Courier New" panose="02070309020205020404" pitchFamily="49" charset="0"/>
+              </a:rPr>
+              <a:t>\</a:t>
+            </a:r>
+            <a:r>
+              <a:rPr lang="en-US" dirty="0" err="1">
+                <a:latin typeface="Courier New" panose="02070309020205020404" pitchFamily="49" charset="0"/>
+                <a:cs typeface="Courier New" panose="02070309020205020404" pitchFamily="49" charset="0"/>
+              </a:rPr>
+              <a:t>usepackage</a:t>
+            </a:r>
+            <a:r>
+              <a:rPr lang="en-US" dirty="0">
+                <a:latin typeface="Courier New" panose="02070309020205020404" pitchFamily="49" charset="0"/>
+                <a:cs typeface="Courier New" panose="02070309020205020404" pitchFamily="49" charset="0"/>
+              </a:rPr>
+              <a:t>{bidi}</a:t>
+            </a:r>
+          </a:p>
+          <a:p>
+            <a:pPr marL="0" indent="0">
+              <a:buNone/>
+            </a:pPr>
+            <a:r>
+              <a:rPr lang="en-US" dirty="0">
+                <a:latin typeface="Courier New" panose="02070309020205020404" pitchFamily="49" charset="0"/>
+                <a:cs typeface="Courier New" panose="02070309020205020404" pitchFamily="49" charset="0"/>
+              </a:rPr>
+              <a:t>\</a:t>
+            </a:r>
+            <a:r>
+              <a:rPr lang="en-US" dirty="0" err="1">
+                <a:latin typeface="Courier New" panose="02070309020205020404" pitchFamily="49" charset="0"/>
+                <a:cs typeface="Courier New" panose="02070309020205020404" pitchFamily="49" charset="0"/>
+              </a:rPr>
+              <a:t>defaultfontfeatures</a:t>
+            </a:r>
+            <a:r>
+              <a:rPr lang="en-US" dirty="0">
+                <a:latin typeface="Courier New" panose="02070309020205020404" pitchFamily="49" charset="0"/>
+                <a:cs typeface="Courier New" panose="02070309020205020404" pitchFamily="49" charset="0"/>
+              </a:rPr>
+              <a:t>{Mapping=</a:t>
+            </a:r>
+            <a:r>
+              <a:rPr lang="en-US" dirty="0" err="1">
+                <a:latin typeface="Courier New" panose="02070309020205020404" pitchFamily="49" charset="0"/>
+                <a:cs typeface="Courier New" panose="02070309020205020404" pitchFamily="49" charset="0"/>
+              </a:rPr>
+              <a:t>tex</a:t>
+            </a:r>
+            <a:r>
+              <a:rPr lang="en-US" dirty="0">
+                <a:latin typeface="Courier New" panose="02070309020205020404" pitchFamily="49" charset="0"/>
+                <a:cs typeface="Courier New" panose="02070309020205020404" pitchFamily="49" charset="0"/>
+              </a:rPr>
+              <a:t>-text}</a:t>
+            </a:r>
+          </a:p>
+          <a:p>
+            <a:pPr marL="0" indent="0">
+              <a:buNone/>
+            </a:pPr>
+            <a:r>
+              <a:rPr lang="en-US" dirty="0">
+                <a:latin typeface="Courier New" panose="02070309020205020404" pitchFamily="49" charset="0"/>
+                <a:cs typeface="Courier New" panose="02070309020205020404" pitchFamily="49" charset="0"/>
+              </a:rPr>
+              <a:t>\</a:t>
+            </a:r>
+            <a:r>
+              <a:rPr lang="en-US" dirty="0" err="1">
+                <a:latin typeface="Courier New" panose="02070309020205020404" pitchFamily="49" charset="0"/>
+                <a:cs typeface="Courier New" panose="02070309020205020404" pitchFamily="49" charset="0"/>
+              </a:rPr>
+              <a:t>setromanfont</a:t>
+            </a:r>
+            <a:r>
+              <a:rPr lang="en-US" dirty="0">
+                <a:latin typeface="Courier New" panose="02070309020205020404" pitchFamily="49" charset="0"/>
+                <a:cs typeface="Courier New" panose="02070309020205020404" pitchFamily="49" charset="0"/>
+              </a:rPr>
+              <a:t>[Mapping=</a:t>
+            </a:r>
+            <a:r>
+              <a:rPr lang="en-US" dirty="0" err="1">
+                <a:latin typeface="Courier New" panose="02070309020205020404" pitchFamily="49" charset="0"/>
+                <a:cs typeface="Courier New" panose="02070309020205020404" pitchFamily="49" charset="0"/>
+              </a:rPr>
+              <a:t>tex</a:t>
+            </a:r>
+            <a:r>
+              <a:rPr lang="en-US" dirty="0">
+                <a:latin typeface="Courier New" panose="02070309020205020404" pitchFamily="49" charset="0"/>
+                <a:cs typeface="Courier New" panose="02070309020205020404" pitchFamily="49" charset="0"/>
+              </a:rPr>
+              <a:t>-text]{X </a:t>
+            </a:r>
+            <a:r>
+              <a:rPr lang="en-US" dirty="0" err="1">
+                <a:latin typeface="Courier New" panose="02070309020205020404" pitchFamily="49" charset="0"/>
+                <a:cs typeface="Courier New" panose="02070309020205020404" pitchFamily="49" charset="0"/>
+              </a:rPr>
+              <a:t>Zar</a:t>
+            </a:r>
+            <a:r>
+              <a:rPr lang="en-US" dirty="0">
+                <a:latin typeface="Courier New" panose="02070309020205020404" pitchFamily="49" charset="0"/>
+                <a:cs typeface="Courier New" panose="02070309020205020404" pitchFamily="49" charset="0"/>
+              </a:rPr>
+              <a:t>}</a:t>
+            </a:r>
+          </a:p>
+          <a:p>
+            <a:pPr marL="0" indent="0">
+              <a:buNone/>
+            </a:pPr>
+            <a:r>
+              <a:rPr lang="en-US" dirty="0">
+                <a:latin typeface="Courier New" panose="02070309020205020404" pitchFamily="49" charset="0"/>
+                <a:cs typeface="Courier New" panose="02070309020205020404" pitchFamily="49" charset="0"/>
+              </a:rPr>
+              <a:t>\</a:t>
+            </a:r>
+            <a:r>
+              <a:rPr lang="en-US" dirty="0" err="1">
+                <a:latin typeface="Courier New" panose="02070309020205020404" pitchFamily="49" charset="0"/>
+                <a:cs typeface="Courier New" panose="02070309020205020404" pitchFamily="49" charset="0"/>
+              </a:rPr>
+              <a:t>setsansfont</a:t>
+            </a:r>
+            <a:r>
+              <a:rPr lang="en-US" dirty="0">
+                <a:latin typeface="Courier New" panose="02070309020205020404" pitchFamily="49" charset="0"/>
+                <a:cs typeface="Courier New" panose="02070309020205020404" pitchFamily="49" charset="0"/>
+              </a:rPr>
+              <a:t>[Scale=</a:t>
+            </a:r>
+            <a:r>
+              <a:rPr lang="en-US" dirty="0" err="1">
+                <a:latin typeface="Courier New" panose="02070309020205020404" pitchFamily="49" charset="0"/>
+                <a:cs typeface="Courier New" panose="02070309020205020404" pitchFamily="49" charset="0"/>
+              </a:rPr>
+              <a:t>MatchLowercase,Mapping</a:t>
+            </a:r>
+            <a:r>
+              <a:rPr lang="en-US" dirty="0">
+                <a:latin typeface="Courier New" panose="02070309020205020404" pitchFamily="49" charset="0"/>
+                <a:cs typeface="Courier New" panose="02070309020205020404" pitchFamily="49" charset="0"/>
+              </a:rPr>
+              <a:t>=</a:t>
+            </a:r>
+            <a:r>
+              <a:rPr lang="en-US" dirty="0" err="1">
+                <a:latin typeface="Courier New" panose="02070309020205020404" pitchFamily="49" charset="0"/>
+                <a:cs typeface="Courier New" panose="02070309020205020404" pitchFamily="49" charset="0"/>
+              </a:rPr>
+              <a:t>tex</a:t>
+            </a:r>
+            <a:r>
+              <a:rPr lang="en-US" dirty="0">
+                <a:latin typeface="Courier New" panose="02070309020205020404" pitchFamily="49" charset="0"/>
+                <a:cs typeface="Courier New" panose="02070309020205020404" pitchFamily="49" charset="0"/>
+              </a:rPr>
+              <a:t>-text]{Gill Sans}</a:t>
+            </a:r>
+          </a:p>
+          <a:p>
+            <a:pPr marL="0" indent="0">
+              <a:buNone/>
+            </a:pPr>
+            <a:r>
+              <a:rPr lang="en-US" dirty="0">
+                <a:latin typeface="Courier New" panose="02070309020205020404" pitchFamily="49" charset="0"/>
+                <a:cs typeface="Courier New" panose="02070309020205020404" pitchFamily="49" charset="0"/>
+              </a:rPr>
+              <a:t>\</a:t>
+            </a:r>
+            <a:r>
+              <a:rPr lang="en-US" dirty="0" err="1">
+                <a:latin typeface="Courier New" panose="02070309020205020404" pitchFamily="49" charset="0"/>
+                <a:cs typeface="Courier New" panose="02070309020205020404" pitchFamily="49" charset="0"/>
+              </a:rPr>
+              <a:t>setsansfont</a:t>
+            </a:r>
+            <a:r>
+              <a:rPr lang="en-US" dirty="0">
+                <a:latin typeface="Courier New" panose="02070309020205020404" pitchFamily="49" charset="0"/>
+                <a:cs typeface="Courier New" panose="02070309020205020404" pitchFamily="49" charset="0"/>
+              </a:rPr>
+              <a:t>[Scale=</a:t>
+            </a:r>
+            <a:r>
+              <a:rPr lang="en-US" dirty="0" err="1">
+                <a:latin typeface="Courier New" panose="02070309020205020404" pitchFamily="49" charset="0"/>
+                <a:cs typeface="Courier New" panose="02070309020205020404" pitchFamily="49" charset="0"/>
+              </a:rPr>
+              <a:t>MatchLowercase,Mapping</a:t>
+            </a:r>
+            <a:r>
+              <a:rPr lang="en-US" dirty="0">
+                <a:latin typeface="Courier New" panose="02070309020205020404" pitchFamily="49" charset="0"/>
+                <a:cs typeface="Courier New" panose="02070309020205020404" pitchFamily="49" charset="0"/>
+              </a:rPr>
+              <a:t>=</a:t>
+            </a:r>
+            <a:r>
+              <a:rPr lang="en-US" dirty="0" err="1">
+                <a:latin typeface="Courier New" panose="02070309020205020404" pitchFamily="49" charset="0"/>
+                <a:cs typeface="Courier New" panose="02070309020205020404" pitchFamily="49" charset="0"/>
+              </a:rPr>
+              <a:t>tex</a:t>
+            </a:r>
+            <a:r>
+              <a:rPr lang="en-US" dirty="0">
+                <a:latin typeface="Courier New" panose="02070309020205020404" pitchFamily="49" charset="0"/>
+                <a:cs typeface="Courier New" panose="02070309020205020404" pitchFamily="49" charset="0"/>
+              </a:rPr>
+              <a:t>-text]{X </a:t>
+            </a:r>
+            <a:r>
+              <a:rPr lang="en-US" dirty="0" err="1">
+                <a:latin typeface="Courier New" panose="02070309020205020404" pitchFamily="49" charset="0"/>
+                <a:cs typeface="Courier New" panose="02070309020205020404" pitchFamily="49" charset="0"/>
+              </a:rPr>
+              <a:t>Zar</a:t>
+            </a:r>
+            <a:r>
+              <a:rPr lang="en-US" dirty="0">
+                <a:latin typeface="Courier New" panose="02070309020205020404" pitchFamily="49" charset="0"/>
+                <a:cs typeface="Courier New" panose="02070309020205020404" pitchFamily="49" charset="0"/>
+              </a:rPr>
+              <a:t>}</a:t>
+            </a:r>
+          </a:p>
+          <a:p>
+            <a:pPr marL="0" indent="0">
+              <a:buNone/>
+            </a:pPr>
+            <a:r>
+              <a:rPr lang="en-US" dirty="0">
+                <a:latin typeface="Courier New" panose="02070309020205020404" pitchFamily="49" charset="0"/>
+                <a:cs typeface="Courier New" panose="02070309020205020404" pitchFamily="49" charset="0"/>
+              </a:rPr>
+              <a:t>\</a:t>
+            </a:r>
+            <a:r>
+              <a:rPr lang="en-US" dirty="0" err="1">
+                <a:latin typeface="Courier New" panose="02070309020205020404" pitchFamily="49" charset="0"/>
+                <a:cs typeface="Courier New" panose="02070309020205020404" pitchFamily="49" charset="0"/>
+              </a:rPr>
+              <a:t>setmonofont</a:t>
+            </a:r>
+            <a:r>
+              <a:rPr lang="en-US" dirty="0">
+                <a:latin typeface="Courier New" panose="02070309020205020404" pitchFamily="49" charset="0"/>
+                <a:cs typeface="Courier New" panose="02070309020205020404" pitchFamily="49" charset="0"/>
+              </a:rPr>
+              <a:t>[Scale=</a:t>
+            </a:r>
+            <a:r>
+              <a:rPr lang="en-US" dirty="0" err="1">
+                <a:latin typeface="Courier New" panose="02070309020205020404" pitchFamily="49" charset="0"/>
+                <a:cs typeface="Courier New" panose="02070309020205020404" pitchFamily="49" charset="0"/>
+              </a:rPr>
+              <a:t>MatchLowercase</a:t>
+            </a:r>
+            <a:r>
+              <a:rPr lang="en-US" dirty="0">
+                <a:latin typeface="Courier New" panose="02070309020205020404" pitchFamily="49" charset="0"/>
+                <a:cs typeface="Courier New" panose="02070309020205020404" pitchFamily="49" charset="0"/>
+              </a:rPr>
+              <a:t>]{X </a:t>
+            </a:r>
+            <a:r>
+              <a:rPr lang="en-US" dirty="0" err="1">
+                <a:latin typeface="Courier New" panose="02070309020205020404" pitchFamily="49" charset="0"/>
+                <a:cs typeface="Courier New" panose="02070309020205020404" pitchFamily="49" charset="0"/>
+              </a:rPr>
+              <a:t>Zar</a:t>
+            </a:r>
+            <a:r>
+              <a:rPr lang="en-US" dirty="0">
+                <a:latin typeface="Courier New" panose="02070309020205020404" pitchFamily="49" charset="0"/>
+                <a:cs typeface="Courier New" panose="02070309020205020404" pitchFamily="49" charset="0"/>
+              </a:rPr>
+              <a:t>}</a:t>
+            </a:r>
+          </a:p>
+          <a:p>
+            <a:pPr marL="0" indent="0">
+              <a:buNone/>
+            </a:pPr>
+            <a:r>
+              <a:rPr lang="en-US" dirty="0">
+                <a:latin typeface="Courier New" panose="02070309020205020404" pitchFamily="49" charset="0"/>
+                <a:cs typeface="Courier New" panose="02070309020205020404" pitchFamily="49" charset="0"/>
+              </a:rPr>
+              <a:t>% \</a:t>
+            </a:r>
+            <a:r>
+              <a:rPr lang="en-US" dirty="0" err="1">
+                <a:latin typeface="Courier New" panose="02070309020205020404" pitchFamily="49" charset="0"/>
+                <a:cs typeface="Courier New" panose="02070309020205020404" pitchFamily="49" charset="0"/>
+              </a:rPr>
+              <a:t>newfontfamily</a:t>
+            </a:r>
+            <a:r>
+              <a:rPr lang="en-US" dirty="0">
+                <a:latin typeface="Courier New" panose="02070309020205020404" pitchFamily="49" charset="0"/>
+                <a:cs typeface="Courier New" panose="02070309020205020404" pitchFamily="49" charset="0"/>
+              </a:rPr>
+              <a:t>{\A}{X </a:t>
+            </a:r>
+            <a:r>
+              <a:rPr lang="en-US" dirty="0" err="1">
+                <a:latin typeface="Courier New" panose="02070309020205020404" pitchFamily="49" charset="0"/>
+                <a:cs typeface="Courier New" panose="02070309020205020404" pitchFamily="49" charset="0"/>
+              </a:rPr>
+              <a:t>Zar</a:t>
+            </a:r>
+            <a:r>
+              <a:rPr lang="en-US" dirty="0">
+                <a:latin typeface="Courier New" panose="02070309020205020404" pitchFamily="49" charset="0"/>
+                <a:cs typeface="Courier New" panose="02070309020205020404" pitchFamily="49" charset="0"/>
+              </a:rPr>
+              <a:t>}</a:t>
+            </a:r>
+          </a:p>
+          <a:p>
+            <a:pPr marL="0" indent="0">
+              <a:buNone/>
+            </a:pPr>
+            <a:endParaRPr lang="en-US" dirty="0">
+              <a:latin typeface="Courier New" panose="02070309020205020404" pitchFamily="49" charset="0"/>
+              <a:cs typeface="Courier New" panose="02070309020205020404" pitchFamily="49" charset="0"/>
+            </a:endParaRPr>
+          </a:p>
+          <a:p>
+            <a:pPr marL="0" indent="0">
+              <a:buNone/>
+            </a:pPr>
+            <a:r>
+              <a:rPr lang="en-US" dirty="0">
+                <a:latin typeface="Courier New" panose="02070309020205020404" pitchFamily="49" charset="0"/>
+                <a:cs typeface="Courier New" panose="02070309020205020404" pitchFamily="49" charset="0"/>
+              </a:rPr>
+              <a:t>\begin{</a:t>
+            </a:r>
+            <a:r>
+              <a:rPr lang="en-US" dirty="0" err="1">
+                <a:latin typeface="Courier New" panose="02070309020205020404" pitchFamily="49" charset="0"/>
+                <a:cs typeface="Courier New" panose="02070309020205020404" pitchFamily="49" charset="0"/>
+              </a:rPr>
+              <a:t>flushright</a:t>
+            </a:r>
+            <a:r>
+              <a:rPr lang="en-US" dirty="0">
+                <a:latin typeface="Courier New" panose="02070309020205020404" pitchFamily="49" charset="0"/>
+                <a:cs typeface="Courier New" panose="02070309020205020404" pitchFamily="49" charset="0"/>
+              </a:rPr>
+              <a:t>}</a:t>
+            </a:r>
+          </a:p>
+          <a:p>
+            <a:pPr marL="0" indent="0">
+              <a:buNone/>
+            </a:pPr>
+            <a:r>
+              <a:rPr lang="ar-AE" dirty="0">
+                <a:latin typeface="Courier New" panose="02070309020205020404" pitchFamily="49" charset="0"/>
+                <a:cs typeface="Courier New" panose="02070309020205020404" pitchFamily="49" charset="0"/>
+              </a:rPr>
+              <a:t>از ۳ منظر مورد بررسی قرار می‌گیرد:\\</a:t>
+            </a:r>
+          </a:p>
+          <a:p>
+            <a:pPr marL="0" indent="0">
+              <a:buNone/>
+            </a:pPr>
+            <a:r>
+              <a:rPr lang="ar-AE" dirty="0">
+                <a:latin typeface="Courier New" panose="02070309020205020404" pitchFamily="49" charset="0"/>
+                <a:cs typeface="Courier New" panose="02070309020205020404" pitchFamily="49" charset="0"/>
+              </a:rPr>
+              <a:t>\</a:t>
+            </a:r>
+            <a:r>
+              <a:rPr lang="en-US" dirty="0">
+                <a:latin typeface="Courier New" panose="02070309020205020404" pitchFamily="49" charset="0"/>
+                <a:cs typeface="Courier New" panose="02070309020205020404" pitchFamily="49" charset="0"/>
+              </a:rPr>
+              <a:t>end{</a:t>
+            </a:r>
+            <a:r>
+              <a:rPr lang="en-US" dirty="0" err="1">
+                <a:latin typeface="Courier New" panose="02070309020205020404" pitchFamily="49" charset="0"/>
+                <a:cs typeface="Courier New" panose="02070309020205020404" pitchFamily="49" charset="0"/>
+              </a:rPr>
+              <a:t>flushright</a:t>
+            </a:r>
+            <a:r>
+              <a:rPr lang="en-US" dirty="0">
+                <a:latin typeface="Courier New" panose="02070309020205020404" pitchFamily="49" charset="0"/>
+                <a:cs typeface="Courier New" panose="02070309020205020404" pitchFamily="49" charset="0"/>
+              </a:rPr>
+              <a:t>}</a:t>
+            </a:r>
+          </a:p>
+        </p:txBody>
+      </p:sp>
+      <p:sp>
+        <p:nvSpPr>
+          <p:cNvPr id="4" name="Slide Number Placeholder 3">
+            <a:extLst>
+              <a:ext uri="{FF2B5EF4-FFF2-40B4-BE49-F238E27FC236}">
+                <a16:creationId xmlns:a16="http://schemas.microsoft.com/office/drawing/2014/main" id="{F33A4EFD-B2FC-46F7-B1AF-3C5AA66B5410}"/>
+              </a:ext>
+            </a:extLst>
+          </p:cNvPr>
+          <p:cNvSpPr>
+            <a:spLocks noGrp="1"/>
+          </p:cNvSpPr>
+          <p:nvPr>
+            <p:ph type="sldNum" sz="quarter" idx="12"/>
+          </p:nvPr>
+        </p:nvSpPr>
+        <p:spPr/>
+        <p:txBody>
+          <a:bodyPr/>
+          <a:lstStyle/>
+          <a:p>
+            <a:fld id="{DA660E33-E440-4E09-8A39-193DFAD4F159}" type="slidenum">
+              <a:rPr lang="en-US" smtClean="0"/>
+              <a:t>65</a:t>
+            </a:fld>
+            <a:endParaRPr lang="en-US"/>
+          </a:p>
+        </p:txBody>
+      </p:sp>
+    </p:spTree>
+    <p:extLst>
+      <p:ext uri="{BB962C8B-B14F-4D97-AF65-F5344CB8AC3E}">
+        <p14:creationId xmlns:p14="http://schemas.microsoft.com/office/powerpoint/2010/main" val="3844381406"/>
       </p:ext>
     </p:extLst>
   </p:cSld>

--- a/kurz XeLaTeX.pptx
+++ b/kurz XeLaTeX.pptx
@@ -261,7 +261,7 @@
           <a:p>
             <a:fld id="{EC6CD7D2-79FD-4FAA-9E3E-B2651DB84053}" type="datetimeFigureOut">
               <a:rPr lang="en-US" smtClean="0"/>
-              <a:t>8/9/2021</a:t>
+              <a:t>3/16/2022</a:t>
             </a:fld>
             <a:endParaRPr lang="en-US"/>
           </a:p>
@@ -1188,7 +1188,7 @@
           <a:p>
             <a:fld id="{0F49F7B6-A5F9-4CD4-A903-DA1E4C673AD7}" type="datetime1">
               <a:rPr lang="en-US" smtClean="0"/>
-              <a:t>8/9/2021</a:t>
+              <a:t>3/16/2022</a:t>
             </a:fld>
             <a:endParaRPr lang="en-US"/>
           </a:p>
@@ -1386,7 +1386,7 @@
           <a:p>
             <a:fld id="{81965A72-80BA-42C4-B7CB-B00276BAD6A8}" type="datetime1">
               <a:rPr lang="en-US" smtClean="0"/>
-              <a:t>8/9/2021</a:t>
+              <a:t>3/16/2022</a:t>
             </a:fld>
             <a:endParaRPr lang="en-US"/>
           </a:p>
@@ -1594,7 +1594,7 @@
           <a:p>
             <a:fld id="{10B9F0DE-FC48-45EB-A612-B0465CA8F189}" type="datetime1">
               <a:rPr lang="en-US" smtClean="0"/>
-              <a:t>8/9/2021</a:t>
+              <a:t>3/16/2022</a:t>
             </a:fld>
             <a:endParaRPr lang="en-US"/>
           </a:p>
@@ -1792,7 +1792,7 @@
           <a:p>
             <a:fld id="{80F480B6-23F1-485B-9C9D-455F02A2855F}" type="datetime1">
               <a:rPr lang="en-US" smtClean="0"/>
-              <a:t>8/9/2021</a:t>
+              <a:t>3/16/2022</a:t>
             </a:fld>
             <a:endParaRPr lang="en-US"/>
           </a:p>
@@ -2067,7 +2067,7 @@
           <a:p>
             <a:fld id="{F09AE250-D09B-4237-B62C-99455EB3E366}" type="datetime1">
               <a:rPr lang="en-US" smtClean="0"/>
-              <a:t>8/9/2021</a:t>
+              <a:t>3/16/2022</a:t>
             </a:fld>
             <a:endParaRPr lang="en-US"/>
           </a:p>
@@ -2332,7 +2332,7 @@
           <a:p>
             <a:fld id="{9B400DC0-E63B-4AF0-9F23-6D119605A7C5}" type="datetime1">
               <a:rPr lang="en-US" smtClean="0"/>
-              <a:t>8/9/2021</a:t>
+              <a:t>3/16/2022</a:t>
             </a:fld>
             <a:endParaRPr lang="en-US"/>
           </a:p>
@@ -2744,7 +2744,7 @@
           <a:p>
             <a:fld id="{67F1E268-500F-4BB8-8162-CB255100543F}" type="datetime1">
               <a:rPr lang="en-US" smtClean="0"/>
-              <a:t>8/9/2021</a:t>
+              <a:t>3/16/2022</a:t>
             </a:fld>
             <a:endParaRPr lang="en-US"/>
           </a:p>
@@ -2885,7 +2885,7 @@
           <a:p>
             <a:fld id="{DAAE91CA-F47E-49B4-9296-3E98B6ABBC95}" type="datetime1">
               <a:rPr lang="en-US" smtClean="0"/>
-              <a:t>8/9/2021</a:t>
+              <a:t>3/16/2022</a:t>
             </a:fld>
             <a:endParaRPr lang="en-US"/>
           </a:p>
@@ -2998,7 +2998,7 @@
           <a:p>
             <a:fld id="{FDB3DE74-F004-4190-8C63-36DDE166C534}" type="datetime1">
               <a:rPr lang="en-US" smtClean="0"/>
-              <a:t>8/9/2021</a:t>
+              <a:t>3/16/2022</a:t>
             </a:fld>
             <a:endParaRPr lang="en-US"/>
           </a:p>
@@ -3309,7 +3309,7 @@
           <a:p>
             <a:fld id="{222BAB89-CCF5-44A8-8F53-F4E262742003}" type="datetime1">
               <a:rPr lang="en-US" smtClean="0"/>
-              <a:t>8/9/2021</a:t>
+              <a:t>3/16/2022</a:t>
             </a:fld>
             <a:endParaRPr lang="en-US"/>
           </a:p>
@@ -3597,7 +3597,7 @@
           <a:p>
             <a:fld id="{9B36A2A0-76A3-4AE3-8BB9-505242090860}" type="datetime1">
               <a:rPr lang="en-US" smtClean="0"/>
-              <a:t>8/9/2021</a:t>
+              <a:t>3/16/2022</a:t>
             </a:fld>
             <a:endParaRPr lang="en-US"/>
           </a:p>
@@ -3838,7 +3838,7 @@
           <a:p>
             <a:fld id="{FBC1E6ED-B2CA-4B53-9C40-32F86D3DC8EE}" type="datetime1">
               <a:rPr lang="en-US" smtClean="0"/>
-              <a:t>8/9/2021</a:t>
+              <a:t>3/16/2022</a:t>
             </a:fld>
             <a:endParaRPr lang="en-US"/>
           </a:p>
@@ -28873,42 +28873,68 @@
           <a:p>
             <a:r>
               <a:rPr lang="sk-SK" dirty="0"/>
-              <a:t>Stiahnuť súbor </a:t>
+              <a:t>Stiahnuť súbor</a:t>
+            </a:r>
+            <a:r>
+              <a:rPr lang="en-US" dirty="0"/>
+              <a:t>y</a:t>
+            </a:r>
+            <a:r>
+              <a:rPr lang="sk-SK" dirty="0"/>
+              <a:t> </a:t>
             </a:r>
             <a:r>
               <a:rPr lang="sk-SK" sz="2000" dirty="0" err="1">
                 <a:latin typeface="Courier New" panose="02070309020205020404" pitchFamily="49" charset="0"/>
                 <a:cs typeface="Courier New" panose="02070309020205020404" pitchFamily="49" charset="0"/>
               </a:rPr>
-              <a:t>hunspell-sk</a:t>
+              <a:t>sk</a:t>
+            </a:r>
+            <a:r>
+              <a:rPr lang="en-US" sz="2000" dirty="0">
+                <a:latin typeface="Courier New" panose="02070309020205020404" pitchFamily="49" charset="0"/>
+                <a:cs typeface="Courier New" panose="02070309020205020404" pitchFamily="49" charset="0"/>
+              </a:rPr>
+              <a:t>_</a:t>
+            </a:r>
+            <a:r>
+              <a:rPr lang="sk-SK" sz="2000" dirty="0" err="1">
+                <a:latin typeface="Courier New" panose="02070309020205020404" pitchFamily="49" charset="0"/>
+                <a:cs typeface="Courier New" panose="02070309020205020404" pitchFamily="49" charset="0"/>
+              </a:rPr>
+              <a:t>SK.aff</a:t>
             </a:r>
             <a:r>
               <a:rPr lang="sk-SK" sz="2000" dirty="0">
                 <a:latin typeface="Courier New" panose="02070309020205020404" pitchFamily="49" charset="0"/>
                 <a:cs typeface="Courier New" panose="02070309020205020404" pitchFamily="49" charset="0"/>
               </a:rPr>
-              <a:t>-</a:t>
-            </a:r>
-            <a:r>
-              <a:rPr lang="en-US" sz="2000" dirty="0">
-                <a:latin typeface="Courier New" panose="02070309020205020404" pitchFamily="49" charset="0"/>
-                <a:cs typeface="Courier New" panose="02070309020205020404" pitchFamily="49" charset="0"/>
-              </a:rPr>
-              <a:t>&lt;</a:t>
-            </a:r>
-            <a:r>
-              <a:rPr lang="en-US" sz="2000" dirty="0" err="1">
-                <a:latin typeface="Courier New" panose="02070309020205020404" pitchFamily="49" charset="0"/>
-                <a:cs typeface="Courier New" panose="02070309020205020404" pitchFamily="49" charset="0"/>
-              </a:rPr>
-              <a:t>verzia</a:t>
-            </a:r>
-            <a:r>
-              <a:rPr lang="en-US" sz="2000" dirty="0">
-                <a:latin typeface="Courier New" panose="02070309020205020404" pitchFamily="49" charset="0"/>
-                <a:cs typeface="Courier New" panose="02070309020205020404" pitchFamily="49" charset="0"/>
-              </a:rPr>
-              <a:t>&gt;.zip</a:t>
+              <a:t> </a:t>
+            </a:r>
+            <a:r>
+              <a:rPr lang="sk-SK" sz="2000" dirty="0"/>
+              <a:t>a </a:t>
+            </a:r>
+            <a:r>
+              <a:rPr lang="sk-SK" sz="2000" dirty="0" err="1">
+                <a:latin typeface="Courier New" panose="02070309020205020404" pitchFamily="49" charset="0"/>
+                <a:cs typeface="Courier New" panose="02070309020205020404" pitchFamily="49" charset="0"/>
+              </a:rPr>
+              <a:t>sk</a:t>
+            </a:r>
+            <a:r>
+              <a:rPr lang="en-US" sz="2000" dirty="0">
+                <a:latin typeface="Courier New" panose="02070309020205020404" pitchFamily="49" charset="0"/>
+                <a:cs typeface="Courier New" panose="02070309020205020404" pitchFamily="49" charset="0"/>
+              </a:rPr>
+              <a:t>_</a:t>
+            </a:r>
+            <a:r>
+              <a:rPr lang="sk-SK" sz="2000" dirty="0" err="1">
+                <a:latin typeface="Courier New" panose="02070309020205020404" pitchFamily="49" charset="0"/>
+                <a:cs typeface="Courier New" panose="02070309020205020404" pitchFamily="49" charset="0"/>
+              </a:rPr>
+              <a:t>SK.dic</a:t>
             </a:r>
             <a:r>
               <a:rPr lang="en-US" dirty="0"/>
@@ -28928,7 +28954,7 @@
               <a:rPr lang="sk-SK" dirty="0">
                 <a:hlinkClick r:id="rId2"/>
               </a:rPr>
-              <a:t>http://sk-spell.sk.cx/hunspell-sk</a:t>
+              <a:t>https://github.com/sk-spell/hunspell-sk/</a:t>
             </a:r>
             <a:endParaRPr lang="sk-SK" dirty="0"/>
           </a:p>
@@ -28937,65 +28963,12 @@
               <a:buNone/>
             </a:pPr>
             <a:r>
+              <a:rPr lang="en-US" dirty="0" err="1"/>
+              <a:t>nahra</a:t>
+            </a:r>
+            <a:r>
               <a:rPr lang="sk-SK" dirty="0"/>
-              <a:t>r</a:t>
-            </a:r>
-            <a:r>
-              <a:rPr lang="en-US" dirty="0" err="1"/>
-              <a:t>ozbali</a:t>
-            </a:r>
-            <a:r>
-              <a:rPr lang="sk-SK" dirty="0"/>
-              <a:t>ť</a:t>
-            </a:r>
-            <a:r>
-              <a:rPr lang="en-US" dirty="0"/>
-              <a:t> </a:t>
-            </a:r>
-            <a:r>
-              <a:rPr lang="sk-SK" dirty="0"/>
-              <a:t>.</a:t>
-            </a:r>
-            <a:r>
-              <a:rPr lang="sk-SK" dirty="0" err="1"/>
-              <a:t>zip</a:t>
-            </a:r>
-            <a:r>
-              <a:rPr lang="sk-SK" dirty="0"/>
-              <a:t> a skopírovať súbory </a:t>
-            </a:r>
-            <a:r>
-              <a:rPr lang="sk-SK" sz="2000" dirty="0" err="1">
-                <a:latin typeface="Courier New" panose="02070309020205020404" pitchFamily="49" charset="0"/>
-                <a:cs typeface="Courier New" panose="02070309020205020404" pitchFamily="49" charset="0"/>
-              </a:rPr>
-              <a:t>sk-SK.aff</a:t>
-            </a:r>
-            <a:r>
-              <a:rPr lang="sk-SK" sz="2000" dirty="0">
-                <a:latin typeface="Courier New" panose="02070309020205020404" pitchFamily="49" charset="0"/>
-                <a:cs typeface="Courier New" panose="02070309020205020404" pitchFamily="49" charset="0"/>
-              </a:rPr>
-              <a:t> </a:t>
-            </a:r>
-            <a:r>
-              <a:rPr lang="sk-SK" dirty="0"/>
-              <a:t>a </a:t>
-            </a:r>
-            <a:r>
-              <a:rPr lang="sk-SK" sz="2000" dirty="0" err="1">
-                <a:latin typeface="Courier New" panose="02070309020205020404" pitchFamily="49" charset="0"/>
-                <a:cs typeface="Courier New" panose="02070309020205020404" pitchFamily="49" charset="0"/>
-              </a:rPr>
-              <a:t>sk-SK.dic</a:t>
-            </a:r>
-            <a:r>
-              <a:rPr lang="sk-SK" sz="2000" dirty="0"/>
-              <a:t> </a:t>
-            </a:r>
-            <a:r>
-              <a:rPr lang="sk-SK" dirty="0"/>
-              <a:t>do adresára:</a:t>
+              <a:t>ť súbory do adresára:</a:t>
             </a:r>
           </a:p>
           <a:p>
@@ -29285,10 +29258,10 @@
                 <a:latin typeface="Courier New" panose="02070309020205020404" pitchFamily="49" charset="0"/>
                 <a:cs typeface="Courier New" panose="02070309020205020404" pitchFamily="49" charset="0"/>
               </a:rPr>
-              <a:t>-</a:t>
-            </a:r>
-            <a:r>
-              <a:rPr lang="sk-SK" sz="2000" dirty="0">
+              <a:t>_</a:t>
+            </a:r>
+            <a:r>
+              <a:rPr lang="sk-SK" sz="2000">
                 <a:latin typeface="Courier New" panose="02070309020205020404" pitchFamily="49" charset="0"/>
                 <a:cs typeface="Courier New" panose="02070309020205020404" pitchFamily="49" charset="0"/>
               </a:rPr>
